--- a/DAA_FINAL.pptx
+++ b/DAA_FINAL.pptx
@@ -8,14 +8,15 @@
     <p:sldId id="256" r:id="rId2"/>
     <p:sldId id="257" r:id="rId3"/>
     <p:sldId id="258" r:id="rId4"/>
-    <p:sldId id="260" r:id="rId5"/>
-    <p:sldId id="261" r:id="rId6"/>
+    <p:sldId id="261" r:id="rId5"/>
+    <p:sldId id="265" r:id="rId6"/>
     <p:sldId id="264" r:id="rId7"/>
-    <p:sldId id="265" r:id="rId8"/>
-    <p:sldId id="266" r:id="rId9"/>
-    <p:sldId id="267" r:id="rId10"/>
-    <p:sldId id="270" r:id="rId11"/>
-    <p:sldId id="272" r:id="rId12"/>
+    <p:sldId id="273" r:id="rId8"/>
+    <p:sldId id="274" r:id="rId9"/>
+    <p:sldId id="266" r:id="rId10"/>
+    <p:sldId id="267" r:id="rId11"/>
+    <p:sldId id="270" r:id="rId12"/>
+    <p:sldId id="272" r:id="rId13"/>
   </p:sldIdLst>
   <p:sldSz cx="12192000" cy="6858000"/>
   <p:notesSz cx="6858000" cy="9144000"/>
@@ -391,7 +392,7 @@
           <a:p>
             <a:fld id="{00B5BBF3-D0BA-4920-897C-BE29EEC74A64}" type="datetimeFigureOut">
               <a:rPr lang="en-IN" smtClean="0"/>
-              <a:t>02-05-2022</a:t>
+              <a:t>03-05-2022</a:t>
             </a:fld>
             <a:endParaRPr lang="en-IN"/>
           </a:p>
@@ -591,7 +592,7 @@
           <a:p>
             <a:fld id="{00B5BBF3-D0BA-4920-897C-BE29EEC74A64}" type="datetimeFigureOut">
               <a:rPr lang="en-IN" smtClean="0"/>
-              <a:t>02-05-2022</a:t>
+              <a:t>03-05-2022</a:t>
             </a:fld>
             <a:endParaRPr lang="en-IN"/>
           </a:p>
@@ -801,7 +802,7 @@
           <a:p>
             <a:fld id="{00B5BBF3-D0BA-4920-897C-BE29EEC74A64}" type="datetimeFigureOut">
               <a:rPr lang="en-IN" smtClean="0"/>
-              <a:t>02-05-2022</a:t>
+              <a:t>03-05-2022</a:t>
             </a:fld>
             <a:endParaRPr lang="en-IN"/>
           </a:p>
@@ -1001,7 +1002,7 @@
           <a:p>
             <a:fld id="{00B5BBF3-D0BA-4920-897C-BE29EEC74A64}" type="datetimeFigureOut">
               <a:rPr lang="en-IN" smtClean="0"/>
-              <a:t>02-05-2022</a:t>
+              <a:t>03-05-2022</a:t>
             </a:fld>
             <a:endParaRPr lang="en-IN"/>
           </a:p>
@@ -1277,7 +1278,7 @@
           <a:p>
             <a:fld id="{00B5BBF3-D0BA-4920-897C-BE29EEC74A64}" type="datetimeFigureOut">
               <a:rPr lang="en-IN" smtClean="0"/>
-              <a:t>02-05-2022</a:t>
+              <a:t>03-05-2022</a:t>
             </a:fld>
             <a:endParaRPr lang="en-IN"/>
           </a:p>
@@ -1545,7 +1546,7 @@
           <a:p>
             <a:fld id="{00B5BBF3-D0BA-4920-897C-BE29EEC74A64}" type="datetimeFigureOut">
               <a:rPr lang="en-IN" smtClean="0"/>
-              <a:t>02-05-2022</a:t>
+              <a:t>03-05-2022</a:t>
             </a:fld>
             <a:endParaRPr lang="en-IN"/>
           </a:p>
@@ -1960,7 +1961,7 @@
           <a:p>
             <a:fld id="{00B5BBF3-D0BA-4920-897C-BE29EEC74A64}" type="datetimeFigureOut">
               <a:rPr lang="en-IN" smtClean="0"/>
-              <a:t>02-05-2022</a:t>
+              <a:t>03-05-2022</a:t>
             </a:fld>
             <a:endParaRPr lang="en-IN"/>
           </a:p>
@@ -2102,7 +2103,7 @@
           <a:p>
             <a:fld id="{00B5BBF3-D0BA-4920-897C-BE29EEC74A64}" type="datetimeFigureOut">
               <a:rPr lang="en-IN" smtClean="0"/>
-              <a:t>02-05-2022</a:t>
+              <a:t>03-05-2022</a:t>
             </a:fld>
             <a:endParaRPr lang="en-IN"/>
           </a:p>
@@ -2215,7 +2216,7 @@
           <a:p>
             <a:fld id="{00B5BBF3-D0BA-4920-897C-BE29EEC74A64}" type="datetimeFigureOut">
               <a:rPr lang="en-IN" smtClean="0"/>
-              <a:t>02-05-2022</a:t>
+              <a:t>03-05-2022</a:t>
             </a:fld>
             <a:endParaRPr lang="en-IN"/>
           </a:p>
@@ -2528,7 +2529,7 @@
           <a:p>
             <a:fld id="{00B5BBF3-D0BA-4920-897C-BE29EEC74A64}" type="datetimeFigureOut">
               <a:rPr lang="en-IN" smtClean="0"/>
-              <a:t>02-05-2022</a:t>
+              <a:t>03-05-2022</a:t>
             </a:fld>
             <a:endParaRPr lang="en-IN"/>
           </a:p>
@@ -2817,7 +2818,7 @@
           <a:p>
             <a:fld id="{00B5BBF3-D0BA-4920-897C-BE29EEC74A64}" type="datetimeFigureOut">
               <a:rPr lang="en-IN" smtClean="0"/>
-              <a:t>02-05-2022</a:t>
+              <a:t>03-05-2022</a:t>
             </a:fld>
             <a:endParaRPr lang="en-IN"/>
           </a:p>
@@ -3060,7 +3061,7 @@
           <a:p>
             <a:fld id="{00B5BBF3-D0BA-4920-897C-BE29EEC74A64}" type="datetimeFigureOut">
               <a:rPr lang="en-IN" smtClean="0"/>
-              <a:t>02-05-2022</a:t>
+              <a:t>03-05-2022</a:t>
             </a:fld>
             <a:endParaRPr lang="en-IN"/>
           </a:p>
@@ -3708,6 +3709,144 @@
           <p:cNvPr id="2" name="Title 1">
             <a:extLst>
               <a:ext uri="{FF2B5EF4-FFF2-40B4-BE49-F238E27FC236}">
+                <a16:creationId xmlns:a16="http://schemas.microsoft.com/office/drawing/2014/main" id="{1747D32B-13AD-4829-BDEE-F54D60DD6A6F}"/>
+              </a:ext>
+            </a:extLst>
+          </p:cNvPr>
+          <p:cNvSpPr>
+            <a:spLocks noGrp="1"/>
+          </p:cNvSpPr>
+          <p:nvPr>
+            <p:ph type="title"/>
+          </p:nvPr>
+        </p:nvSpPr>
+        <p:spPr/>
+        <p:txBody>
+          <a:bodyPr>
+            <a:normAutofit/>
+          </a:bodyPr>
+          <a:lstStyle/>
+          <a:p>
+            <a:r>
+              <a:rPr lang="en-US" sz="4000" dirty="0" err="1">
+                <a:solidFill>
+                  <a:srgbClr val="FF0000"/>
+                </a:solidFill>
+                <a:cs typeface="Times New Roman" panose="02020603050405020304" pitchFamily="18" charset="0"/>
+              </a:rPr>
+              <a:t>Github</a:t>
+            </a:r>
+            <a:r>
+              <a:rPr lang="en-US" sz="4000" dirty="0">
+                <a:solidFill>
+                  <a:srgbClr val="FF0000"/>
+                </a:solidFill>
+                <a:cs typeface="Times New Roman" panose="02020603050405020304" pitchFamily="18" charset="0"/>
+              </a:rPr>
+              <a:t> Setup</a:t>
+            </a:r>
+            <a:endParaRPr lang="en-IN" sz="4000" dirty="0">
+              <a:solidFill>
+                <a:srgbClr val="FF0000"/>
+              </a:solidFill>
+              <a:cs typeface="Times New Roman" panose="02020603050405020304" pitchFamily="18" charset="0"/>
+            </a:endParaRPr>
+          </a:p>
+        </p:txBody>
+      </p:sp>
+      <p:pic>
+        <p:nvPicPr>
+          <p:cNvPr id="6" name="Content Placeholder 5">
+            <a:extLst>
+              <a:ext uri="{FF2B5EF4-FFF2-40B4-BE49-F238E27FC236}">
+                <a16:creationId xmlns:a16="http://schemas.microsoft.com/office/drawing/2014/main" id="{78AF4B68-1F9F-48E5-B685-48FE711AC074}"/>
+              </a:ext>
+            </a:extLst>
+          </p:cNvPr>
+          <p:cNvPicPr>
+            <a:picLocks noGrp="1" noChangeAspect="1"/>
+          </p:cNvPicPr>
+          <p:nvPr>
+            <p:ph idx="1"/>
+          </p:nvPr>
+        </p:nvPicPr>
+        <p:blipFill rotWithShape="1">
+          <a:blip r:embed="rId2"/>
+          <a:srcRect t="12945" r="2663" b="5533"/>
+          <a:stretch/>
+        </p:blipFill>
+        <p:spPr>
+          <a:xfrm>
+            <a:off x="1237674" y="1648691"/>
+            <a:ext cx="10206182" cy="4719782"/>
+          </a:xfrm>
+        </p:spPr>
+      </p:pic>
+      <p:pic>
+        <p:nvPicPr>
+          <p:cNvPr id="4" name="Picture 3">
+            <a:extLst>
+              <a:ext uri="{FF2B5EF4-FFF2-40B4-BE49-F238E27FC236}">
+                <a16:creationId xmlns:a16="http://schemas.microsoft.com/office/drawing/2014/main" id="{B2D0B822-8DFB-4E33-B742-C050CB3932A5}"/>
+              </a:ext>
+            </a:extLst>
+          </p:cNvPr>
+          <p:cNvPicPr>
+            <a:picLocks noChangeAspect="1"/>
+          </p:cNvPicPr>
+          <p:nvPr/>
+        </p:nvPicPr>
+        <p:blipFill>
+          <a:blip r:embed="rId3"/>
+          <a:stretch>
+            <a:fillRect/>
+          </a:stretch>
+        </p:blipFill>
+        <p:spPr bwMode="auto">
+          <a:xfrm>
+            <a:off x="10243483" y="401057"/>
+            <a:ext cx="1374775" cy="446405"/>
+          </a:xfrm>
+          <a:prstGeom prst="rect">
+            <a:avLst/>
+          </a:prstGeom>
+        </p:spPr>
+      </p:pic>
+    </p:spTree>
+    <p:extLst>
+      <p:ext uri="{BB962C8B-B14F-4D97-AF65-F5344CB8AC3E}">
+        <p14:creationId xmlns:p14="http://schemas.microsoft.com/office/powerpoint/2010/main" val="548642039"/>
+      </p:ext>
+    </p:extLst>
+  </p:cSld>
+  <p:clrMapOvr>
+    <a:masterClrMapping/>
+  </p:clrMapOvr>
+</p:sld>
+</file>
+
+<file path=ppt/slides/slide11.xml><?xml version="1.0" encoding="utf-8"?>
+<p:sld xmlns:a="http://schemas.openxmlformats.org/drawingml/2006/main" xmlns:r="http://schemas.openxmlformats.org/officeDocument/2006/relationships" xmlns:p="http://schemas.openxmlformats.org/presentationml/2006/main">
+  <p:cSld>
+    <p:spTree>
+      <p:nvGrpSpPr>
+        <p:cNvPr id="1" name=""/>
+        <p:cNvGrpSpPr/>
+        <p:nvPr/>
+      </p:nvGrpSpPr>
+      <p:grpSpPr>
+        <a:xfrm>
+          <a:off x="0" y="0"/>
+          <a:ext cx="0" cy="0"/>
+          <a:chOff x="0" y="0"/>
+          <a:chExt cx="0" cy="0"/>
+        </a:xfrm>
+      </p:grpSpPr>
+      <p:sp>
+        <p:nvSpPr>
+          <p:cNvPr id="2" name="Title 1">
+            <a:extLst>
+              <a:ext uri="{FF2B5EF4-FFF2-40B4-BE49-F238E27FC236}">
                 <a16:creationId xmlns:a16="http://schemas.microsoft.com/office/drawing/2014/main" id="{74181394-EB00-4E8E-98B6-DD005ABDBD07}"/>
               </a:ext>
             </a:extLst>
@@ -3846,7 +3985,7 @@
 </p:sld>
 </file>
 
-<file path=ppt/slides/slide11.xml><?xml version="1.0" encoding="utf-8"?>
+<file path=ppt/slides/slide12.xml><?xml version="1.0" encoding="utf-8"?>
 <p:sld xmlns:a="http://schemas.openxmlformats.org/drawingml/2006/main" xmlns:r="http://schemas.openxmlformats.org/officeDocument/2006/relationships" xmlns:p="http://schemas.openxmlformats.org/presentationml/2006/main">
   <p:cSld>
     <p:spTree>
@@ -4200,7 +4339,7 @@
                 </a:solidFill>
                 <a:cs typeface="Times New Roman" panose="02020603050405020304" pitchFamily="18" charset="0"/>
               </a:rPr>
-              <a:t>Introduction</a:t>
+              <a:t>Problem statement</a:t>
             </a:r>
             <a:endParaRPr lang="en-IN" sz="4000" dirty="0">
               <a:solidFill>
@@ -4454,7 +4593,7 @@
           <p:cNvPr id="2" name="Title 1">
             <a:extLst>
               <a:ext uri="{FF2B5EF4-FFF2-40B4-BE49-F238E27FC236}">
-                <a16:creationId xmlns:a16="http://schemas.microsoft.com/office/drawing/2014/main" id="{621A0EF9-FAA9-4A05-B08D-471C619675F0}"/>
+                <a16:creationId xmlns:a16="http://schemas.microsoft.com/office/drawing/2014/main" id="{5CA5501F-A7CB-41CB-95B2-6BB94ECF62FD}"/>
               </a:ext>
             </a:extLst>
           </p:cNvPr>
@@ -4465,12 +4604,7 @@
             <p:ph type="title"/>
           </p:nvPr>
         </p:nvSpPr>
-        <p:spPr>
-          <a:xfrm>
-            <a:off x="838200" y="365126"/>
-            <a:ext cx="10515600" cy="1015440"/>
-          </a:xfrm>
-        </p:spPr>
+        <p:spPr/>
         <p:txBody>
           <a:bodyPr>
             <a:normAutofit/>
@@ -4484,215 +4618,7 @@
                 </a:solidFill>
                 <a:cs typeface="Times New Roman" panose="02020603050405020304" pitchFamily="18" charset="0"/>
               </a:rPr>
-              <a:t>Existing System</a:t>
-            </a:r>
-            <a:endParaRPr lang="en-IN" sz="4000" dirty="0">
-              <a:solidFill>
-                <a:srgbClr val="FF0000"/>
-              </a:solidFill>
-              <a:cs typeface="Times New Roman" panose="02020603050405020304" pitchFamily="18" charset="0"/>
-            </a:endParaRPr>
-          </a:p>
-        </p:txBody>
-      </p:sp>
-      <p:sp>
-        <p:nvSpPr>
-          <p:cNvPr id="3" name="Content Placeholder 2">
-            <a:extLst>
-              <a:ext uri="{FF2B5EF4-FFF2-40B4-BE49-F238E27FC236}">
-                <a16:creationId xmlns:a16="http://schemas.microsoft.com/office/drawing/2014/main" id="{85E1611C-8ECA-4E41-8414-ACE1CC095441}"/>
-              </a:ext>
-            </a:extLst>
-          </p:cNvPr>
-          <p:cNvSpPr>
-            <a:spLocks noGrp="1"/>
-          </p:cNvSpPr>
-          <p:nvPr>
-            <p:ph idx="1"/>
-          </p:nvPr>
-        </p:nvSpPr>
-        <p:spPr/>
-        <p:txBody>
-          <a:bodyPr>
-            <a:normAutofit fontScale="85000" lnSpcReduction="20000"/>
-          </a:bodyPr>
-          <a:lstStyle/>
-          <a:p>
-            <a:pPr marL="0" indent="0">
-              <a:buNone/>
-            </a:pPr>
-            <a:r>
-              <a:rPr lang="en-US" dirty="0">
-                <a:cs typeface="Times New Roman" panose="02020603050405020304" pitchFamily="18" charset="0"/>
-              </a:rPr>
-              <a:t>Sudoku puzzles are NP-complete problems and as such, their solution can be found by performing an exhaustive search.</a:t>
-            </a:r>
-          </a:p>
-          <a:p>
-            <a:pPr marL="0" indent="0">
-              <a:buNone/>
-            </a:pPr>
-            <a:endParaRPr lang="en-US" dirty="0">
-              <a:cs typeface="Times New Roman" panose="02020603050405020304" pitchFamily="18" charset="0"/>
-            </a:endParaRPr>
-          </a:p>
-          <a:p>
-            <a:pPr marL="0" indent="0">
-              <a:buNone/>
-            </a:pPr>
-            <a:r>
-              <a:rPr lang="en-US" b="1" dirty="0">
-                <a:cs typeface="Times New Roman" panose="02020603050405020304" pitchFamily="18" charset="0"/>
-              </a:rPr>
-              <a:t>1. Pen and Paper Algorithm </a:t>
-            </a:r>
-            <a:r>
-              <a:rPr lang="en-US" dirty="0">
-                <a:cs typeface="Times New Roman" panose="02020603050405020304" pitchFamily="18" charset="0"/>
-              </a:rPr>
-              <a:t>:- a solution based on some strategies used by humans when solving the puzzle, therefore, it is called pencil-and-paper algorithm.</a:t>
-            </a:r>
-          </a:p>
-          <a:p>
-            <a:r>
-              <a:rPr lang="en-US" dirty="0">
-                <a:cs typeface="Times New Roman" panose="02020603050405020304" pitchFamily="18" charset="0"/>
-              </a:rPr>
-              <a:t>As there are puzzles with different types of difficulty, the easy and medium</a:t>
-            </a:r>
-          </a:p>
-          <a:p>
-            <a:r>
-              <a:rPr lang="en-US" dirty="0">
-                <a:cs typeface="Times New Roman" panose="02020603050405020304" pitchFamily="18" charset="0"/>
-              </a:rPr>
-              <a:t>puzzles can be solved using some simple techniques such as unique missing method, naked singles. </a:t>
-            </a:r>
-          </a:p>
-          <a:p>
-            <a:pPr marL="0" indent="0">
-              <a:buNone/>
-            </a:pPr>
-            <a:r>
-              <a:rPr lang="en-US" b="1" dirty="0">
-                <a:cs typeface="Times New Roman" panose="02020603050405020304" pitchFamily="18" charset="0"/>
-              </a:rPr>
-              <a:t>2.Crooks algorithm :- </a:t>
-            </a:r>
-            <a:r>
-              <a:rPr lang="en-US" dirty="0">
-                <a:cs typeface="Times New Roman" panose="02020603050405020304" pitchFamily="18" charset="0"/>
-              </a:rPr>
-              <a:t>which is an imitation of pencil and paper algorithm, is a simple algorithm which we use to solve the sudoku on our own.</a:t>
-            </a:r>
-          </a:p>
-          <a:p>
-            <a:r>
-              <a:rPr lang="en-US" dirty="0">
-                <a:cs typeface="Times New Roman" panose="02020603050405020304" pitchFamily="18" charset="0"/>
-              </a:rPr>
-              <a:t>This algorithm sounds simple, but it has its limitations. Sometimes, we get incomplete answer to the sudoku because of multiple values that can occur on a particular empty space.</a:t>
-            </a:r>
-          </a:p>
-          <a:p>
-            <a:pPr marL="0" indent="0">
-              <a:buNone/>
-            </a:pPr>
-            <a:endParaRPr lang="en-IN" dirty="0"/>
-          </a:p>
-        </p:txBody>
-      </p:sp>
-      <p:pic>
-        <p:nvPicPr>
-          <p:cNvPr id="4" name="Picture 3">
-            <a:extLst>
-              <a:ext uri="{FF2B5EF4-FFF2-40B4-BE49-F238E27FC236}">
-                <a16:creationId xmlns:a16="http://schemas.microsoft.com/office/drawing/2014/main" id="{EE7619E0-6815-4BA1-A7B4-0F54AE4511D5}"/>
-              </a:ext>
-            </a:extLst>
-          </p:cNvPr>
-          <p:cNvPicPr>
-            <a:picLocks noChangeAspect="1"/>
-          </p:cNvPicPr>
-          <p:nvPr/>
-        </p:nvPicPr>
-        <p:blipFill>
-          <a:blip r:embed="rId2"/>
-          <a:stretch>
-            <a:fillRect/>
-          </a:stretch>
-        </p:blipFill>
-        <p:spPr bwMode="auto">
-          <a:xfrm>
-            <a:off x="10243483" y="401057"/>
-            <a:ext cx="1374775" cy="446405"/>
-          </a:xfrm>
-          <a:prstGeom prst="rect">
-            <a:avLst/>
-          </a:prstGeom>
-        </p:spPr>
-      </p:pic>
-    </p:spTree>
-    <p:extLst>
-      <p:ext uri="{BB962C8B-B14F-4D97-AF65-F5344CB8AC3E}">
-        <p14:creationId xmlns:p14="http://schemas.microsoft.com/office/powerpoint/2010/main" val="3813700085"/>
-      </p:ext>
-    </p:extLst>
-  </p:cSld>
-  <p:clrMapOvr>
-    <a:masterClrMapping/>
-  </p:clrMapOvr>
-</p:sld>
-</file>
-
-<file path=ppt/slides/slide5.xml><?xml version="1.0" encoding="utf-8"?>
-<p:sld xmlns:a="http://schemas.openxmlformats.org/drawingml/2006/main" xmlns:r="http://schemas.openxmlformats.org/officeDocument/2006/relationships" xmlns:p="http://schemas.openxmlformats.org/presentationml/2006/main">
-  <p:cSld>
-    <p:spTree>
-      <p:nvGrpSpPr>
-        <p:cNvPr id="1" name=""/>
-        <p:cNvGrpSpPr/>
-        <p:nvPr/>
-      </p:nvGrpSpPr>
-      <p:grpSpPr>
-        <a:xfrm>
-          <a:off x="0" y="0"/>
-          <a:ext cx="0" cy="0"/>
-          <a:chOff x="0" y="0"/>
-          <a:chExt cx="0" cy="0"/>
-        </a:xfrm>
-      </p:grpSpPr>
-      <p:sp>
-        <p:nvSpPr>
-          <p:cNvPr id="2" name="Title 1">
-            <a:extLst>
-              <a:ext uri="{FF2B5EF4-FFF2-40B4-BE49-F238E27FC236}">
-                <a16:creationId xmlns:a16="http://schemas.microsoft.com/office/drawing/2014/main" id="{5CA5501F-A7CB-41CB-95B2-6BB94ECF62FD}"/>
-              </a:ext>
-            </a:extLst>
-          </p:cNvPr>
-          <p:cNvSpPr>
-            <a:spLocks noGrp="1"/>
-          </p:cNvSpPr>
-          <p:nvPr>
-            <p:ph type="title"/>
-          </p:nvPr>
-        </p:nvSpPr>
-        <p:spPr/>
-        <p:txBody>
-          <a:bodyPr>
-            <a:normAutofit/>
-          </a:bodyPr>
-          <a:lstStyle/>
-          <a:p>
-            <a:r>
-              <a:rPr lang="en-US" sz="4000" dirty="0">
-                <a:solidFill>
-                  <a:srgbClr val="FF0000"/>
-                </a:solidFill>
-                <a:cs typeface="Times New Roman" panose="02020603050405020304" pitchFamily="18" charset="0"/>
-              </a:rPr>
-              <a:t>Proposed System</a:t>
+              <a:t>Algorithm Used</a:t>
             </a:r>
             <a:endParaRPr lang="en-IN" sz="4000" dirty="0">
               <a:solidFill>
@@ -4859,6 +4785,158 @@
 </p:sld>
 </file>
 
+<file path=ppt/slides/slide5.xml><?xml version="1.0" encoding="utf-8"?>
+<p:sld xmlns:a="http://schemas.openxmlformats.org/drawingml/2006/main" xmlns:r="http://schemas.openxmlformats.org/officeDocument/2006/relationships" xmlns:p="http://schemas.openxmlformats.org/presentationml/2006/main">
+  <p:cSld>
+    <p:spTree>
+      <p:nvGrpSpPr>
+        <p:cNvPr id="1" name=""/>
+        <p:cNvGrpSpPr/>
+        <p:nvPr/>
+      </p:nvGrpSpPr>
+      <p:grpSpPr>
+        <a:xfrm>
+          <a:off x="0" y="0"/>
+          <a:ext cx="0" cy="0"/>
+          <a:chOff x="0" y="0"/>
+          <a:chExt cx="0" cy="0"/>
+        </a:xfrm>
+      </p:grpSpPr>
+      <p:sp>
+        <p:nvSpPr>
+          <p:cNvPr id="2" name="Title 1">
+            <a:extLst>
+              <a:ext uri="{FF2B5EF4-FFF2-40B4-BE49-F238E27FC236}">
+                <a16:creationId xmlns:a16="http://schemas.microsoft.com/office/drawing/2014/main" id="{A2B60571-FC12-422D-AB8C-6182DA1CD374}"/>
+              </a:ext>
+            </a:extLst>
+          </p:cNvPr>
+          <p:cNvSpPr>
+            <a:spLocks noGrp="1"/>
+          </p:cNvSpPr>
+          <p:nvPr>
+            <p:ph type="title"/>
+          </p:nvPr>
+        </p:nvSpPr>
+        <p:spPr>
+          <a:xfrm>
+            <a:off x="838200" y="365125"/>
+            <a:ext cx="10515600" cy="925793"/>
+          </a:xfrm>
+        </p:spPr>
+        <p:txBody>
+          <a:bodyPr>
+            <a:normAutofit/>
+          </a:bodyPr>
+          <a:lstStyle/>
+          <a:p>
+            <a:r>
+              <a:rPr lang="en-US" sz="4000" dirty="0">
+                <a:solidFill>
+                  <a:srgbClr val="FF0000"/>
+                </a:solidFill>
+                <a:cs typeface="Times New Roman" panose="02020603050405020304" pitchFamily="18" charset="0"/>
+              </a:rPr>
+              <a:t>Flow Chart</a:t>
+            </a:r>
+            <a:endParaRPr lang="en-IN" sz="4000" dirty="0">
+              <a:solidFill>
+                <a:srgbClr val="FF0000"/>
+              </a:solidFill>
+              <a:cs typeface="Times New Roman" panose="02020603050405020304" pitchFamily="18" charset="0"/>
+            </a:endParaRPr>
+          </a:p>
+        </p:txBody>
+      </p:sp>
+      <p:pic>
+        <p:nvPicPr>
+          <p:cNvPr id="6" name="Picture 5">
+            <a:extLst>
+              <a:ext uri="{FF2B5EF4-FFF2-40B4-BE49-F238E27FC236}">
+                <a16:creationId xmlns:a16="http://schemas.microsoft.com/office/drawing/2014/main" id="{87E6D70F-6931-4C9D-92BF-937603CCD6BD}"/>
+              </a:ext>
+            </a:extLst>
+          </p:cNvPr>
+          <p:cNvPicPr>
+            <a:picLocks noChangeAspect="1"/>
+          </p:cNvPicPr>
+          <p:nvPr/>
+        </p:nvPicPr>
+        <p:blipFill>
+          <a:blip r:embed="rId2"/>
+          <a:stretch>
+            <a:fillRect/>
+          </a:stretch>
+        </p:blipFill>
+        <p:spPr bwMode="auto">
+          <a:xfrm>
+            <a:off x="10243483" y="401057"/>
+            <a:ext cx="1374775" cy="446405"/>
+          </a:xfrm>
+          <a:prstGeom prst="rect">
+            <a:avLst/>
+          </a:prstGeom>
+        </p:spPr>
+      </p:pic>
+      <p:pic>
+        <p:nvPicPr>
+          <p:cNvPr id="5" name="Content Placeholder 11">
+            <a:extLst>
+              <a:ext uri="{FF2B5EF4-FFF2-40B4-BE49-F238E27FC236}">
+                <a16:creationId xmlns:a16="http://schemas.microsoft.com/office/drawing/2014/main" id="{F0DCE7D7-7F12-4430-9258-AB6C6B9B2F90}"/>
+              </a:ext>
+            </a:extLst>
+          </p:cNvPr>
+          <p:cNvPicPr>
+            <a:picLocks noGrp="1" noChangeAspect="1"/>
+          </p:cNvPicPr>
+          <p:nvPr>
+            <p:ph idx="1"/>
+          </p:nvPr>
+        </p:nvPicPr>
+        <p:blipFill>
+          <a:blip r:embed="rId3"/>
+          <a:stretch>
+            <a:fillRect/>
+          </a:stretch>
+        </p:blipFill>
+        <p:spPr>
+          <a:xfrm>
+            <a:off x="1954475" y="1376218"/>
+            <a:ext cx="8039269" cy="5080000"/>
+          </a:xfrm>
+          <a:prstGeom prst="rect">
+            <a:avLst/>
+          </a:prstGeom>
+          <a:ln w="38100" cap="sq">
+            <a:solidFill>
+              <a:srgbClr val="000000"/>
+            </a:solidFill>
+            <a:prstDash val="solid"/>
+            <a:miter lim="800000"/>
+          </a:ln>
+          <a:effectLst>
+            <a:outerShdw blurRad="50800" dist="38100" dir="2700000" algn="tl" rotWithShape="0">
+              <a:srgbClr val="000000">
+                <a:alpha val="43000"/>
+              </a:srgbClr>
+            </a:outerShdw>
+          </a:effectLst>
+        </p:spPr>
+      </p:pic>
+    </p:spTree>
+    <p:extLst>
+      <p:ext uri="{BB962C8B-B14F-4D97-AF65-F5344CB8AC3E}">
+        <p14:creationId xmlns:p14="http://schemas.microsoft.com/office/powerpoint/2010/main" val="1861608601"/>
+      </p:ext>
+    </p:extLst>
+  </p:cSld>
+  <p:clrMapOvr>
+    <a:masterClrMapping/>
+  </p:clrMapOvr>
+</p:sld>
+</file>
+
 <file path=ppt/slides/slide6.xml><?xml version="1.0" encoding="utf-8"?>
 <p:sld xmlns:a="http://schemas.openxmlformats.org/drawingml/2006/main" xmlns:r="http://schemas.openxmlformats.org/officeDocument/2006/relationships" xmlns:p="http://schemas.openxmlformats.org/presentationml/2006/main">
   <p:cSld>
@@ -4911,7 +4989,7 @@
                 </a:solidFill>
                 <a:cs typeface="Times New Roman" panose="02020603050405020304" pitchFamily="18" charset="0"/>
               </a:rPr>
-              <a:t>Software and Hardware Requirements</a:t>
+              <a:t>Software and Hardware Used</a:t>
             </a:r>
             <a:endParaRPr lang="en-IN" sz="4000" dirty="0">
               <a:solidFill>
@@ -5070,7 +5148,7 @@
           <p:cNvPr id="2" name="Title 1">
             <a:extLst>
               <a:ext uri="{FF2B5EF4-FFF2-40B4-BE49-F238E27FC236}">
-                <a16:creationId xmlns:a16="http://schemas.microsoft.com/office/drawing/2014/main" id="{A2B60571-FC12-422D-AB8C-6182DA1CD374}"/>
+                <a16:creationId xmlns:a16="http://schemas.microsoft.com/office/drawing/2014/main" id="{6978751A-B561-422F-AC06-4BEF76CE75B0}"/>
               </a:ext>
             </a:extLst>
           </p:cNvPr>
@@ -5084,7 +5162,7 @@
         <p:spPr>
           <a:xfrm>
             <a:off x="838200" y="365125"/>
-            <a:ext cx="10515600" cy="925793"/>
+            <a:ext cx="10515600" cy="1078193"/>
           </a:xfrm>
         </p:spPr>
         <p:txBody>
@@ -5100,7 +5178,7 @@
                 </a:solidFill>
                 <a:cs typeface="Times New Roman" panose="02020603050405020304" pitchFamily="18" charset="0"/>
               </a:rPr>
-              <a:t>Block Diagram/Architecture</a:t>
+              <a:t>Implementation</a:t>
             </a:r>
             <a:endParaRPr lang="en-IN" sz="4000" dirty="0">
               <a:solidFill>
@@ -5113,10 +5191,10 @@
       </p:sp>
       <p:pic>
         <p:nvPicPr>
-          <p:cNvPr id="6" name="Picture 5">
-            <a:extLst>
-              <a:ext uri="{FF2B5EF4-FFF2-40B4-BE49-F238E27FC236}">
-                <a16:creationId xmlns:a16="http://schemas.microsoft.com/office/drawing/2014/main" id="{87E6D70F-6931-4C9D-92BF-937603CCD6BD}"/>
+          <p:cNvPr id="4" name="Picture 3">
+            <a:extLst>
+              <a:ext uri="{FF2B5EF4-FFF2-40B4-BE49-F238E27FC236}">
+                <a16:creationId xmlns:a16="http://schemas.microsoft.com/office/drawing/2014/main" id="{5BD474A9-94AF-4E3D-AFD7-0A4ABDD018F7}"/>
               </a:ext>
             </a:extLst>
           </p:cNvPr>
@@ -5143,10 +5221,10 @@
       </p:pic>
       <p:pic>
         <p:nvPicPr>
-          <p:cNvPr id="5" name="Content Placeholder 11">
-            <a:extLst>
-              <a:ext uri="{FF2B5EF4-FFF2-40B4-BE49-F238E27FC236}">
-                <a16:creationId xmlns:a16="http://schemas.microsoft.com/office/drawing/2014/main" id="{F0DCE7D7-7F12-4430-9258-AB6C6B9B2F90}"/>
+          <p:cNvPr id="5" name="Content Placeholder 4">
+            <a:extLst>
+              <a:ext uri="{FF2B5EF4-FFF2-40B4-BE49-F238E27FC236}">
+                <a16:creationId xmlns:a16="http://schemas.microsoft.com/office/drawing/2014/main" id="{5AE25DF9-B228-4E26-87B8-2920D43E004F}"/>
               </a:ext>
             </a:extLst>
           </p:cNvPr>
@@ -5165,32 +5243,48 @@
         </p:blipFill>
         <p:spPr>
           <a:xfrm>
-            <a:off x="1954475" y="1376218"/>
-            <a:ext cx="8039269" cy="5080000"/>
+            <a:off x="669635" y="1456286"/>
+            <a:ext cx="5269345" cy="5087678"/>
           </a:xfrm>
           <a:prstGeom prst="rect">
             <a:avLst/>
           </a:prstGeom>
-          <a:ln w="38100" cap="sq">
-            <a:solidFill>
-              <a:srgbClr val="000000"/>
-            </a:solidFill>
-            <a:prstDash val="solid"/>
-            <a:miter lim="800000"/>
-          </a:ln>
-          <a:effectLst>
-            <a:outerShdw blurRad="50800" dist="38100" dir="2700000" algn="tl" rotWithShape="0">
-              <a:srgbClr val="000000">
-                <a:alpha val="43000"/>
-              </a:srgbClr>
-            </a:outerShdw>
-          </a:effectLst>
+        </p:spPr>
+      </p:pic>
+      <p:pic>
+        <p:nvPicPr>
+          <p:cNvPr id="7" name="Picture 6">
+            <a:extLst>
+              <a:ext uri="{FF2B5EF4-FFF2-40B4-BE49-F238E27FC236}">
+                <a16:creationId xmlns:a16="http://schemas.microsoft.com/office/drawing/2014/main" id="{B019ADB2-1ABC-4DC9-B6D6-CCC58249B8E3}"/>
+              </a:ext>
+            </a:extLst>
+          </p:cNvPr>
+          <p:cNvPicPr>
+            <a:picLocks noChangeAspect="1"/>
+          </p:cNvPicPr>
+          <p:nvPr/>
+        </p:nvPicPr>
+        <p:blipFill>
+          <a:blip r:embed="rId4"/>
+          <a:stretch>
+            <a:fillRect/>
+          </a:stretch>
+        </p:blipFill>
+        <p:spPr>
+          <a:xfrm>
+            <a:off x="6380947" y="1413164"/>
+            <a:ext cx="5373725" cy="5129046"/>
+          </a:xfrm>
+          <a:prstGeom prst="rect">
+            <a:avLst/>
+          </a:prstGeom>
         </p:spPr>
       </p:pic>
     </p:spTree>
     <p:extLst>
       <p:ext uri="{BB962C8B-B14F-4D97-AF65-F5344CB8AC3E}">
-        <p14:creationId xmlns:p14="http://schemas.microsoft.com/office/powerpoint/2010/main" val="1861608601"/>
+        <p14:creationId xmlns:p14="http://schemas.microsoft.com/office/powerpoint/2010/main" val="1433995092"/>
       </p:ext>
     </p:extLst>
   </p:cSld>
@@ -5217,58 +5311,12 @@
           <a:chExt cx="0" cy="0"/>
         </a:xfrm>
       </p:grpSpPr>
-      <p:sp>
-        <p:nvSpPr>
-          <p:cNvPr id="2" name="Title 1">
-            <a:extLst>
-              <a:ext uri="{FF2B5EF4-FFF2-40B4-BE49-F238E27FC236}">
-                <a16:creationId xmlns:a16="http://schemas.microsoft.com/office/drawing/2014/main" id="{BF644972-377D-44A6-AB95-C8877DBA826C}"/>
-              </a:ext>
-            </a:extLst>
-          </p:cNvPr>
-          <p:cNvSpPr>
-            <a:spLocks noGrp="1"/>
-          </p:cNvSpPr>
-          <p:nvPr>
-            <p:ph type="title"/>
-          </p:nvPr>
-        </p:nvSpPr>
-        <p:spPr>
-          <a:xfrm>
-            <a:off x="838200" y="365125"/>
-            <a:ext cx="10515600" cy="907863"/>
-          </a:xfrm>
-        </p:spPr>
-        <p:txBody>
-          <a:bodyPr>
-            <a:normAutofit/>
-          </a:bodyPr>
-          <a:lstStyle/>
-          <a:p>
-            <a:r>
-              <a:rPr lang="en-US" sz="4000" dirty="0">
-                <a:solidFill>
-                  <a:srgbClr val="FF0000"/>
-                </a:solidFill>
-                <a:cs typeface="Times New Roman" panose="02020603050405020304" pitchFamily="18" charset="0"/>
-              </a:rPr>
-              <a:t>Results</a:t>
-            </a:r>
-            <a:endParaRPr lang="en-IN" sz="4000" dirty="0">
-              <a:solidFill>
-                <a:srgbClr val="FF0000"/>
-              </a:solidFill>
-              <a:cs typeface="Times New Roman" panose="02020603050405020304" pitchFamily="18" charset="0"/>
-            </a:endParaRPr>
-          </a:p>
-        </p:txBody>
-      </p:sp>
       <p:pic>
         <p:nvPicPr>
-          <p:cNvPr id="4" name="Picture 3">
-            <a:extLst>
-              <a:ext uri="{FF2B5EF4-FFF2-40B4-BE49-F238E27FC236}">
-                <a16:creationId xmlns:a16="http://schemas.microsoft.com/office/drawing/2014/main" id="{F8847670-8BCC-4465-85FB-B2D2DD433179}"/>
+          <p:cNvPr id="3" name="Picture 2">
+            <a:extLst>
+              <a:ext uri="{FF2B5EF4-FFF2-40B4-BE49-F238E27FC236}">
+                <a16:creationId xmlns:a16="http://schemas.microsoft.com/office/drawing/2014/main" id="{36EE426E-1645-4E8B-B9A1-6E88288C7EE6}"/>
               </a:ext>
             </a:extLst>
           </p:cNvPr>
@@ -5283,10 +5331,10 @@
             <a:fillRect/>
           </a:stretch>
         </p:blipFill>
-        <p:spPr bwMode="auto">
+        <p:spPr>
           <a:xfrm>
-            <a:off x="10243483" y="401057"/>
-            <a:ext cx="1374775" cy="446405"/>
+            <a:off x="598044" y="268557"/>
+            <a:ext cx="5300054" cy="6290419"/>
           </a:xfrm>
           <a:prstGeom prst="rect">
             <a:avLst/>
@@ -5295,19 +5343,17 @@
       </p:pic>
       <p:pic>
         <p:nvPicPr>
-          <p:cNvPr id="5" name="Content Placeholder 6">
-            <a:extLst>
-              <a:ext uri="{FF2B5EF4-FFF2-40B4-BE49-F238E27FC236}">
-                <a16:creationId xmlns:a16="http://schemas.microsoft.com/office/drawing/2014/main" id="{54E6F773-7AB8-483E-B89F-5F3C4A8D43F2}"/>
+          <p:cNvPr id="4" name="Picture 3">
+            <a:extLst>
+              <a:ext uri="{FF2B5EF4-FFF2-40B4-BE49-F238E27FC236}">
+                <a16:creationId xmlns:a16="http://schemas.microsoft.com/office/drawing/2014/main" id="{D92D3D29-5FD6-4687-A03D-94C3C2636BEC}"/>
               </a:ext>
             </a:extLst>
           </p:cNvPr>
           <p:cNvPicPr>
-            <a:picLocks noGrp="1" noChangeAspect="1"/>
+            <a:picLocks noChangeAspect="1"/>
           </p:cNvPicPr>
-          <p:nvPr>
-            <p:ph idx="1"/>
-          </p:nvPr>
+          <p:nvPr/>
         </p:nvPicPr>
         <p:blipFill>
           <a:blip r:embed="rId3"/>
@@ -5317,35 +5363,8 @@
         </p:blipFill>
         <p:spPr>
           <a:xfrm>
-            <a:off x="586679" y="1444048"/>
-            <a:ext cx="4146786" cy="4598988"/>
-          </a:xfrm>
-        </p:spPr>
-      </p:pic>
-      <p:pic>
-        <p:nvPicPr>
-          <p:cNvPr id="6" name="Picture 5">
-            <a:extLst>
-              <a:ext uri="{FF2B5EF4-FFF2-40B4-BE49-F238E27FC236}">
-                <a16:creationId xmlns:a16="http://schemas.microsoft.com/office/drawing/2014/main" id="{84E70C51-65D9-4A95-818C-E771C8F71498}"/>
-              </a:ext>
-            </a:extLst>
-          </p:cNvPr>
-          <p:cNvPicPr>
-            <a:picLocks noChangeAspect="1"/>
-          </p:cNvPicPr>
-          <p:nvPr/>
-        </p:nvPicPr>
-        <p:blipFill>
-          <a:blip r:embed="rId4"/>
-          <a:stretch>
-            <a:fillRect/>
-          </a:stretch>
-        </p:blipFill>
-        <p:spPr>
-          <a:xfrm>
-            <a:off x="5037396" y="1417782"/>
-            <a:ext cx="6542116" cy="4636654"/>
+            <a:off x="6360522" y="338025"/>
+            <a:ext cx="5659760" cy="6257789"/>
           </a:xfrm>
           <a:prstGeom prst="rect">
             <a:avLst/>
@@ -5355,7 +5374,7 @@
     </p:spTree>
     <p:extLst>
       <p:ext uri="{BB962C8B-B14F-4D97-AF65-F5344CB8AC3E}">
-        <p14:creationId xmlns:p14="http://schemas.microsoft.com/office/powerpoint/2010/main" val="879294443"/>
+        <p14:creationId xmlns:p14="http://schemas.microsoft.com/office/powerpoint/2010/main" val="1852737090"/>
       </p:ext>
     </p:extLst>
   </p:cSld>
@@ -5387,7 +5406,7 @@
           <p:cNvPr id="2" name="Title 1">
             <a:extLst>
               <a:ext uri="{FF2B5EF4-FFF2-40B4-BE49-F238E27FC236}">
-                <a16:creationId xmlns:a16="http://schemas.microsoft.com/office/drawing/2014/main" id="{1747D32B-13AD-4829-BDEE-F54D60DD6A6F}"/>
+                <a16:creationId xmlns:a16="http://schemas.microsoft.com/office/drawing/2014/main" id="{BF644972-377D-44A6-AB95-C8877DBA826C}"/>
               </a:ext>
             </a:extLst>
           </p:cNvPr>
@@ -5398,22 +5417,18 @@
             <p:ph type="title"/>
           </p:nvPr>
         </p:nvSpPr>
-        <p:spPr/>
+        <p:spPr>
+          <a:xfrm>
+            <a:off x="838200" y="365125"/>
+            <a:ext cx="10515600" cy="907863"/>
+          </a:xfrm>
+        </p:spPr>
         <p:txBody>
           <a:bodyPr>
             <a:normAutofit/>
           </a:bodyPr>
           <a:lstStyle/>
           <a:p>
-            <a:r>
-              <a:rPr lang="en-US" sz="4000" dirty="0" err="1">
-                <a:solidFill>
-                  <a:srgbClr val="FF0000"/>
-                </a:solidFill>
-                <a:cs typeface="Times New Roman" panose="02020603050405020304" pitchFamily="18" charset="0"/>
-              </a:rPr>
-              <a:t>Github</a:t>
-            </a:r>
             <a:r>
               <a:rPr lang="en-US" sz="4000" dirty="0">
                 <a:solidFill>
@@ -5421,7 +5436,7 @@
                 </a:solidFill>
                 <a:cs typeface="Times New Roman" panose="02020603050405020304" pitchFamily="18" charset="0"/>
               </a:rPr>
-              <a:t> Setup</a:t>
+              <a:t>Results</a:t>
             </a:r>
             <a:endParaRPr lang="en-IN" sz="4000" dirty="0">
               <a:solidFill>
@@ -5434,38 +5449,10 @@
       </p:sp>
       <p:pic>
         <p:nvPicPr>
-          <p:cNvPr id="6" name="Content Placeholder 5">
-            <a:extLst>
-              <a:ext uri="{FF2B5EF4-FFF2-40B4-BE49-F238E27FC236}">
-                <a16:creationId xmlns:a16="http://schemas.microsoft.com/office/drawing/2014/main" id="{78AF4B68-1F9F-48E5-B685-48FE711AC074}"/>
-              </a:ext>
-            </a:extLst>
-          </p:cNvPr>
-          <p:cNvPicPr>
-            <a:picLocks noGrp="1" noChangeAspect="1"/>
-          </p:cNvPicPr>
-          <p:nvPr>
-            <p:ph idx="1"/>
-          </p:nvPr>
-        </p:nvPicPr>
-        <p:blipFill rotWithShape="1">
-          <a:blip r:embed="rId2"/>
-          <a:srcRect t="12945" r="2663" b="5533"/>
-          <a:stretch/>
-        </p:blipFill>
-        <p:spPr>
-          <a:xfrm>
-            <a:off x="1237674" y="1648691"/>
-            <a:ext cx="10206182" cy="4719782"/>
-          </a:xfrm>
-        </p:spPr>
-      </p:pic>
-      <p:pic>
-        <p:nvPicPr>
           <p:cNvPr id="4" name="Picture 3">
             <a:extLst>
               <a:ext uri="{FF2B5EF4-FFF2-40B4-BE49-F238E27FC236}">
-                <a16:creationId xmlns:a16="http://schemas.microsoft.com/office/drawing/2014/main" id="{B2D0B822-8DFB-4E33-B742-C050CB3932A5}"/>
+                <a16:creationId xmlns:a16="http://schemas.microsoft.com/office/drawing/2014/main" id="{F8847670-8BCC-4465-85FB-B2D2DD433179}"/>
               </a:ext>
             </a:extLst>
           </p:cNvPr>
@@ -5475,7 +5462,7 @@
           <p:nvPr/>
         </p:nvPicPr>
         <p:blipFill>
-          <a:blip r:embed="rId3"/>
+          <a:blip r:embed="rId2"/>
           <a:stretch>
             <a:fillRect/>
           </a:stretch>
@@ -5490,10 +5477,69 @@
           </a:prstGeom>
         </p:spPr>
       </p:pic>
+      <p:pic>
+        <p:nvPicPr>
+          <p:cNvPr id="5" name="Content Placeholder 6">
+            <a:extLst>
+              <a:ext uri="{FF2B5EF4-FFF2-40B4-BE49-F238E27FC236}">
+                <a16:creationId xmlns:a16="http://schemas.microsoft.com/office/drawing/2014/main" id="{54E6F773-7AB8-483E-B89F-5F3C4A8D43F2}"/>
+              </a:ext>
+            </a:extLst>
+          </p:cNvPr>
+          <p:cNvPicPr>
+            <a:picLocks noGrp="1" noChangeAspect="1"/>
+          </p:cNvPicPr>
+          <p:nvPr>
+            <p:ph idx="1"/>
+          </p:nvPr>
+        </p:nvPicPr>
+        <p:blipFill>
+          <a:blip r:embed="rId3"/>
+          <a:stretch>
+            <a:fillRect/>
+          </a:stretch>
+        </p:blipFill>
+        <p:spPr>
+          <a:xfrm>
+            <a:off x="586679" y="1444048"/>
+            <a:ext cx="4146786" cy="4598988"/>
+          </a:xfrm>
+        </p:spPr>
+      </p:pic>
+      <p:pic>
+        <p:nvPicPr>
+          <p:cNvPr id="6" name="Picture 5">
+            <a:extLst>
+              <a:ext uri="{FF2B5EF4-FFF2-40B4-BE49-F238E27FC236}">
+                <a16:creationId xmlns:a16="http://schemas.microsoft.com/office/drawing/2014/main" id="{84E70C51-65D9-4A95-818C-E771C8F71498}"/>
+              </a:ext>
+            </a:extLst>
+          </p:cNvPr>
+          <p:cNvPicPr>
+            <a:picLocks noChangeAspect="1"/>
+          </p:cNvPicPr>
+          <p:nvPr/>
+        </p:nvPicPr>
+        <p:blipFill>
+          <a:blip r:embed="rId4"/>
+          <a:stretch>
+            <a:fillRect/>
+          </a:stretch>
+        </p:blipFill>
+        <p:spPr>
+          <a:xfrm>
+            <a:off x="5037396" y="1417782"/>
+            <a:ext cx="6542116" cy="4636654"/>
+          </a:xfrm>
+          <a:prstGeom prst="rect">
+            <a:avLst/>
+          </a:prstGeom>
+        </p:spPr>
+      </p:pic>
     </p:spTree>
     <p:extLst>
       <p:ext uri="{BB962C8B-B14F-4D97-AF65-F5344CB8AC3E}">
-        <p14:creationId xmlns:p14="http://schemas.microsoft.com/office/powerpoint/2010/main" val="548642039"/>
+        <p14:creationId xmlns:p14="http://schemas.microsoft.com/office/powerpoint/2010/main" val="879294443"/>
       </p:ext>
     </p:extLst>
   </p:cSld>
